--- a/Diapo/RopeMan_Presentation.pptx
+++ b/Diapo/RopeMan_Presentation.pptx
@@ -258,7 +258,7 @@
   </p:defaultTextStyle>
   <p:extLst>
     <p:ext uri="GoogleSlidesCustomDataVersion2">
-      <go:slidesCustomData xmlns:go="http://customooxmlschemas.google.com/" r:id="rId21" roundtripDataSignature="AMtx7mhYK34sWXRXyzexlQawpGsHJ7oGcQ=="/>
+      <go:slidesCustomData xmlns:go="http://customooxmlschemas.google.com/" r:id="rId21" roundtripDataSignature="AMtx7mhwUI9wE8G7RoVBPLQllwaU61kj5w=="/>
     </p:ext>
   </p:extLst>
 </p:presentation>
@@ -794,7 +794,7 @@
   <p:cSld>
     <p:spTree>
       <p:nvGrpSpPr>
-        <p:cNvPr id="149" name="Shape 149"/>
+        <p:cNvPr id="150" name="Shape 150"/>
         <p:cNvGrpSpPr/>
         <p:nvPr/>
       </p:nvGrpSpPr>
@@ -808,7 +808,7 @@
       </p:grpSpPr>
       <p:sp>
         <p:nvSpPr>
-          <p:cNvPr id="150" name="Google Shape;150;p16:notes"/>
+          <p:cNvPr id="151" name="Google Shape;151;p16:notes"/>
           <p:cNvSpPr txBox="1"/>
           <p:nvPr>
             <p:ph idx="1" type="body"/>
@@ -847,7 +847,7 @@
       </p:sp>
       <p:sp>
         <p:nvSpPr>
-          <p:cNvPr id="151" name="Google Shape;151;p16:notes"/>
+          <p:cNvPr id="152" name="Google Shape;152;p16:notes"/>
           <p:cNvSpPr/>
           <p:nvPr>
             <p:ph idx="2" type="sldImg"/>
@@ -893,7 +893,7 @@
   <p:cSld>
     <p:spTree>
       <p:nvGrpSpPr>
-        <p:cNvPr id="156" name="Shape 156"/>
+        <p:cNvPr id="157" name="Shape 157"/>
         <p:cNvGrpSpPr/>
         <p:nvPr/>
       </p:nvGrpSpPr>
@@ -907,7 +907,7 @@
       </p:grpSpPr>
       <p:sp>
         <p:nvSpPr>
-          <p:cNvPr id="157" name="Google Shape;157;p2:notes"/>
+          <p:cNvPr id="158" name="Google Shape;158;p2:notes"/>
           <p:cNvSpPr txBox="1"/>
           <p:nvPr>
             <p:ph idx="1" type="body"/>
@@ -946,7 +946,7 @@
       </p:sp>
       <p:sp>
         <p:nvSpPr>
-          <p:cNvPr id="158" name="Google Shape;158;p2:notes"/>
+          <p:cNvPr id="159" name="Google Shape;159;p2:notes"/>
           <p:cNvSpPr/>
           <p:nvPr>
             <p:ph idx="2" type="sldImg"/>
@@ -992,7 +992,7 @@
   <p:cSld>
     <p:spTree>
       <p:nvGrpSpPr>
-        <p:cNvPr id="162" name="Shape 162"/>
+        <p:cNvPr id="163" name="Shape 163"/>
         <p:cNvGrpSpPr/>
         <p:nvPr/>
       </p:nvGrpSpPr>
@@ -1006,7 +1006,7 @@
       </p:grpSpPr>
       <p:sp>
         <p:nvSpPr>
-          <p:cNvPr id="163" name="Google Shape;163;p3:notes"/>
+          <p:cNvPr id="164" name="Google Shape;164;p3:notes"/>
           <p:cNvSpPr txBox="1"/>
           <p:nvPr>
             <p:ph idx="1" type="body"/>
@@ -1045,7 +1045,7 @@
       </p:sp>
       <p:sp>
         <p:nvSpPr>
-          <p:cNvPr id="164" name="Google Shape;164;p3:notes"/>
+          <p:cNvPr id="165" name="Google Shape;165;p3:notes"/>
           <p:cNvSpPr/>
           <p:nvPr>
             <p:ph idx="2" type="sldImg"/>
@@ -1091,7 +1091,7 @@
   <p:cSld>
     <p:spTree>
       <p:nvGrpSpPr>
-        <p:cNvPr id="171" name="Shape 171"/>
+        <p:cNvPr id="172" name="Shape 172"/>
         <p:cNvGrpSpPr/>
         <p:nvPr/>
       </p:nvGrpSpPr>
@@ -1105,7 +1105,7 @@
       </p:grpSpPr>
       <p:sp>
         <p:nvSpPr>
-          <p:cNvPr id="172" name="Google Shape;172;p4:notes"/>
+          <p:cNvPr id="173" name="Google Shape;173;p4:notes"/>
           <p:cNvSpPr txBox="1"/>
           <p:nvPr>
             <p:ph idx="1" type="body"/>
@@ -1144,7 +1144,7 @@
       </p:sp>
       <p:sp>
         <p:nvSpPr>
-          <p:cNvPr id="173" name="Google Shape;173;p4:notes"/>
+          <p:cNvPr id="174" name="Google Shape;174;p4:notes"/>
           <p:cNvSpPr/>
           <p:nvPr>
             <p:ph idx="2" type="sldImg"/>
@@ -1190,7 +1190,7 @@
   <p:cSld>
     <p:spTree>
       <p:nvGrpSpPr>
-        <p:cNvPr id="181" name="Shape 181"/>
+        <p:cNvPr id="182" name="Shape 182"/>
         <p:cNvGrpSpPr/>
         <p:nvPr/>
       </p:nvGrpSpPr>
@@ -1204,7 +1204,7 @@
       </p:grpSpPr>
       <p:sp>
         <p:nvSpPr>
-          <p:cNvPr id="182" name="Google Shape;182;p6:notes"/>
+          <p:cNvPr id="183" name="Google Shape;183;p6:notes"/>
           <p:cNvSpPr txBox="1"/>
           <p:nvPr>
             <p:ph idx="1" type="body"/>
@@ -1243,7 +1243,7 @@
       </p:sp>
       <p:sp>
         <p:nvSpPr>
-          <p:cNvPr id="183" name="Google Shape;183;p6:notes"/>
+          <p:cNvPr id="184" name="Google Shape;184;p6:notes"/>
           <p:cNvSpPr/>
           <p:nvPr>
             <p:ph idx="2" type="sldImg"/>
@@ -1289,7 +1289,7 @@
   <p:cSld>
     <p:spTree>
       <p:nvGrpSpPr>
-        <p:cNvPr id="191" name="Shape 191"/>
+        <p:cNvPr id="192" name="Shape 192"/>
         <p:cNvGrpSpPr/>
         <p:nvPr/>
       </p:nvGrpSpPr>
@@ -1303,7 +1303,7 @@
       </p:grpSpPr>
       <p:sp>
         <p:nvSpPr>
-          <p:cNvPr id="192" name="Google Shape;192;p7:notes"/>
+          <p:cNvPr id="193" name="Google Shape;193;p7:notes"/>
           <p:cNvSpPr txBox="1"/>
           <p:nvPr>
             <p:ph idx="1" type="body"/>
@@ -1342,7 +1342,7 @@
       </p:sp>
       <p:sp>
         <p:nvSpPr>
-          <p:cNvPr id="193" name="Google Shape;193;p7:notes"/>
+          <p:cNvPr id="194" name="Google Shape;194;p7:notes"/>
           <p:cNvSpPr/>
           <p:nvPr>
             <p:ph idx="2" type="sldImg"/>
@@ -1388,7 +1388,7 @@
   <p:cSld>
     <p:spTree>
       <p:nvGrpSpPr>
-        <p:cNvPr id="200" name="Shape 200"/>
+        <p:cNvPr id="201" name="Shape 201"/>
         <p:cNvGrpSpPr/>
         <p:nvPr/>
       </p:nvGrpSpPr>
@@ -1402,7 +1402,7 @@
       </p:grpSpPr>
       <p:sp>
         <p:nvSpPr>
-          <p:cNvPr id="201" name="Google Shape;201;p8:notes"/>
+          <p:cNvPr id="202" name="Google Shape;202;p8:notes"/>
           <p:cNvSpPr txBox="1"/>
           <p:nvPr>
             <p:ph idx="1" type="body"/>
@@ -1441,7 +1441,7 @@
       </p:sp>
       <p:sp>
         <p:nvSpPr>
-          <p:cNvPr id="202" name="Google Shape;202;p8:notes"/>
+          <p:cNvPr id="203" name="Google Shape;203;p8:notes"/>
           <p:cNvSpPr/>
           <p:nvPr>
             <p:ph idx="2" type="sldImg"/>
@@ -12537,7 +12537,7 @@
     </p:bg>
     <p:spTree>
       <p:nvGrpSpPr>
-        <p:cNvPr id="152" name="Shape 152"/>
+        <p:cNvPr id="153" name="Shape 153"/>
         <p:cNvGrpSpPr/>
         <p:nvPr/>
       </p:nvGrpSpPr>
@@ -12551,7 +12551,7 @@
       </p:grpSpPr>
       <p:sp>
         <p:nvSpPr>
-          <p:cNvPr id="153" name="Google Shape;153;p16"/>
+          <p:cNvPr id="154" name="Google Shape;154;p16"/>
           <p:cNvSpPr txBox="1"/>
           <p:nvPr>
             <p:ph type="title"/>
@@ -12603,7 +12603,7 @@
       </p:sp>
       <p:sp>
         <p:nvSpPr>
-          <p:cNvPr id="154" name="Google Shape;154;p16"/>
+          <p:cNvPr id="155" name="Google Shape;155;p16"/>
           <p:cNvSpPr txBox="1"/>
           <p:nvPr>
             <p:ph idx="1" type="body"/>
@@ -12646,7 +12646,7 @@
             </a:pPr>
             <a:r>
               <a:rPr lang="fr-FR"/>
-              <a:t>En OpenGL / GPU, rien ! (je suis le prof et c’est mon domaine…)</a:t>
+              <a:t>La programmation CPU/GPU</a:t>
             </a:r>
             <a:endParaRPr/>
           </a:p>
@@ -12691,7 +12691,74 @@
             </a:pPr>
             <a:r>
               <a:rPr lang="fr-FR"/>
-              <a:t>Sur la gestion de projet: Que ça prend du temps ! Et qu’une semaine de plus aurait été préférable pour tout le monde</a:t>
+              <a:t>La gestion de projet court</a:t>
+            </a:r>
+            <a:endParaRPr/>
+          </a:p>
+          <a:p>
+            <a:pPr indent="0" lvl="0" marL="228600" rtl="0" algn="l">
+              <a:lnSpc>
+                <a:spcPct val="90000"/>
+              </a:lnSpc>
+              <a:spcBef>
+                <a:spcPts val="1000"/>
+              </a:spcBef>
+              <a:spcAft>
+                <a:spcPts val="0"/>
+              </a:spcAft>
+              <a:buNone/>
+            </a:pPr>
+            <a:r>
+              <a:t/>
+            </a:r>
+            <a:endParaRPr/>
+          </a:p>
+          <a:p>
+            <a:pPr indent="-228600" lvl="0" marL="228600" rtl="0" algn="l">
+              <a:spcBef>
+                <a:spcPts val="1000"/>
+              </a:spcBef>
+              <a:spcAft>
+                <a:spcPts val="0"/>
+              </a:spcAft>
+              <a:buSzPts val="2800"/>
+              <a:buChar char="•"/>
+            </a:pPr>
+            <a:r>
+              <a:rPr lang="fr-FR"/>
+              <a:t>Le co-programming</a:t>
+            </a:r>
+            <a:endParaRPr/>
+          </a:p>
+          <a:p>
+            <a:pPr indent="0" lvl="0" marL="228600" rtl="0" algn="l">
+              <a:spcBef>
+                <a:spcPts val="1000"/>
+              </a:spcBef>
+              <a:spcAft>
+                <a:spcPts val="0"/>
+              </a:spcAft>
+              <a:buNone/>
+            </a:pPr>
+            <a:r>
+              <a:t/>
+            </a:r>
+            <a:endParaRPr/>
+          </a:p>
+          <a:p>
+            <a:pPr indent="-228600" lvl="0" marL="228600" rtl="0" algn="l">
+              <a:spcBef>
+                <a:spcPts val="1000"/>
+              </a:spcBef>
+              <a:spcAft>
+                <a:spcPts val="0"/>
+              </a:spcAft>
+              <a:buSzPts val="2800"/>
+              <a:buChar char="•"/>
+            </a:pPr>
+            <a:r>
+              <a:rPr lang="fr-FR"/>
+              <a:t>Mise au point sur un système masse ressort multiple</a:t>
             </a:r>
             <a:endParaRPr/>
           </a:p>
@@ -12699,7 +12766,7 @@
       </p:sp>
       <p:sp>
         <p:nvSpPr>
-          <p:cNvPr id="155" name="Google Shape;155;p16"/>
+          <p:cNvPr id="156" name="Google Shape;156;p16"/>
           <p:cNvSpPr txBox="1"/>
           <p:nvPr/>
         </p:nvSpPr>
@@ -12774,7 +12841,7 @@
     </p:bg>
     <p:spTree>
       <p:nvGrpSpPr>
-        <p:cNvPr id="159" name="Shape 159"/>
+        <p:cNvPr id="160" name="Shape 160"/>
         <p:cNvGrpSpPr/>
         <p:nvPr/>
       </p:nvGrpSpPr>
@@ -12788,7 +12855,7 @@
       </p:grpSpPr>
       <p:sp>
         <p:nvSpPr>
-          <p:cNvPr id="160" name="Google Shape;160;p2"/>
+          <p:cNvPr id="161" name="Google Shape;161;p2"/>
           <p:cNvSpPr txBox="1"/>
           <p:nvPr>
             <p:ph type="title"/>
@@ -12840,7 +12907,7 @@
       </p:sp>
       <p:sp>
         <p:nvSpPr>
-          <p:cNvPr id="161" name="Google Shape;161;p2"/>
+          <p:cNvPr id="162" name="Google Shape;162;p2"/>
           <p:cNvSpPr txBox="1"/>
           <p:nvPr>
             <p:ph idx="1" type="body"/>
@@ -12913,7 +12980,7 @@
     </p:bg>
     <p:spTree>
       <p:nvGrpSpPr>
-        <p:cNvPr id="165" name="Shape 165"/>
+        <p:cNvPr id="166" name="Shape 166"/>
         <p:cNvGrpSpPr/>
         <p:nvPr/>
       </p:nvGrpSpPr>
@@ -12927,7 +12994,7 @@
       </p:grpSpPr>
       <p:sp>
         <p:nvSpPr>
-          <p:cNvPr id="166" name="Google Shape;166;p3"/>
+          <p:cNvPr id="167" name="Google Shape;167;p3"/>
           <p:cNvSpPr txBox="1"/>
           <p:nvPr>
             <p:ph type="title"/>
@@ -12979,7 +13046,7 @@
       </p:sp>
       <p:sp>
         <p:nvSpPr>
-          <p:cNvPr id="167" name="Google Shape;167;p3"/>
+          <p:cNvPr id="168" name="Google Shape;168;p3"/>
           <p:cNvSpPr txBox="1"/>
           <p:nvPr>
             <p:ph idx="1" type="body"/>
@@ -13302,7 +13369,7 @@
       </p:sp>
       <p:sp>
         <p:nvSpPr>
-          <p:cNvPr id="168" name="Google Shape;168;p3"/>
+          <p:cNvPr id="169" name="Google Shape;169;p3"/>
           <p:cNvSpPr txBox="1"/>
           <p:nvPr>
             <p:ph idx="12" type="sldNum"/>
@@ -13346,7 +13413,7 @@
       </p:sp>
       <p:pic>
         <p:nvPicPr>
-          <p:cNvPr id="169" name="Google Shape;169;p3"/>
+          <p:cNvPr id="170" name="Google Shape;170;p3"/>
           <p:cNvPicPr preferRelativeResize="0"/>
           <p:nvPr/>
         </p:nvPicPr>
@@ -13373,7 +13440,7 @@
       </p:pic>
       <p:pic>
         <p:nvPicPr>
-          <p:cNvPr id="170" name="Google Shape;170;p3"/>
+          <p:cNvPr id="171" name="Google Shape;171;p3"/>
           <p:cNvPicPr preferRelativeResize="0"/>
           <p:nvPr/>
         </p:nvPicPr>
@@ -13423,7 +13490,7 @@
     </p:bg>
     <p:spTree>
       <p:nvGrpSpPr>
-        <p:cNvPr id="174" name="Shape 174"/>
+        <p:cNvPr id="175" name="Shape 175"/>
         <p:cNvGrpSpPr/>
         <p:nvPr/>
       </p:nvGrpSpPr>
@@ -13437,7 +13504,7 @@
       </p:grpSpPr>
       <p:sp>
         <p:nvSpPr>
-          <p:cNvPr id="175" name="Google Shape;175;p4"/>
+          <p:cNvPr id="176" name="Google Shape;176;p4"/>
           <p:cNvSpPr txBox="1"/>
           <p:nvPr>
             <p:ph type="title"/>
@@ -13489,7 +13556,7 @@
       </p:sp>
       <p:sp>
         <p:nvSpPr>
-          <p:cNvPr id="176" name="Google Shape;176;p4"/>
+          <p:cNvPr id="177" name="Google Shape;177;p4"/>
           <p:cNvSpPr txBox="1"/>
           <p:nvPr>
             <p:ph idx="1" type="body"/>
@@ -13879,7 +13946,7 @@
       </p:sp>
       <p:sp>
         <p:nvSpPr>
-          <p:cNvPr id="177" name="Google Shape;177;p4"/>
+          <p:cNvPr id="178" name="Google Shape;178;p4"/>
           <p:cNvSpPr txBox="1"/>
           <p:nvPr>
             <p:ph idx="12" type="sldNum"/>
@@ -13923,7 +13990,7 @@
       </p:sp>
       <p:pic>
         <p:nvPicPr>
-          <p:cNvPr id="178" name="Google Shape;178;p4"/>
+          <p:cNvPr id="179" name="Google Shape;179;p4"/>
           <p:cNvPicPr preferRelativeResize="0"/>
           <p:nvPr/>
         </p:nvPicPr>
@@ -13950,7 +14017,7 @@
       </p:pic>
       <p:pic>
         <p:nvPicPr>
-          <p:cNvPr descr="Une image contenant dessin humoristique&#10;&#10;Description générée automatiquement" id="179" name="Google Shape;179;p4"/>
+          <p:cNvPr descr="Une image contenant dessin humoristique&#10;&#10;Description générée automatiquement" id="180" name="Google Shape;180;p4"/>
           <p:cNvPicPr preferRelativeResize="0"/>
           <p:nvPr/>
         </p:nvPicPr>
@@ -13977,7 +14044,7 @@
       </p:pic>
       <p:pic>
         <p:nvPicPr>
-          <p:cNvPr id="180" name="Google Shape;180;p4"/>
+          <p:cNvPr id="181" name="Google Shape;181;p4"/>
           <p:cNvPicPr preferRelativeResize="0"/>
           <p:nvPr/>
         </p:nvPicPr>
@@ -14027,7 +14094,7 @@
     </p:bg>
     <p:spTree>
       <p:nvGrpSpPr>
-        <p:cNvPr id="184" name="Shape 184"/>
+        <p:cNvPr id="185" name="Shape 185"/>
         <p:cNvGrpSpPr/>
         <p:nvPr/>
       </p:nvGrpSpPr>
@@ -14041,7 +14108,7 @@
       </p:grpSpPr>
       <p:sp>
         <p:nvSpPr>
-          <p:cNvPr id="185" name="Google Shape;185;p6"/>
+          <p:cNvPr id="186" name="Google Shape;186;p6"/>
           <p:cNvSpPr txBox="1"/>
           <p:nvPr>
             <p:ph type="title"/>
@@ -14093,7 +14160,7 @@
       </p:sp>
       <p:sp>
         <p:nvSpPr>
-          <p:cNvPr id="186" name="Google Shape;186;p6"/>
+          <p:cNvPr id="187" name="Google Shape;187;p6"/>
           <p:cNvSpPr txBox="1"/>
           <p:nvPr>
             <p:ph idx="1" type="body"/>
@@ -14442,7 +14509,7 @@
       </p:sp>
       <p:sp>
         <p:nvSpPr>
-          <p:cNvPr id="187" name="Google Shape;187;p6"/>
+          <p:cNvPr id="188" name="Google Shape;188;p6"/>
           <p:cNvSpPr txBox="1"/>
           <p:nvPr>
             <p:ph idx="12" type="sldNum"/>
@@ -14486,7 +14553,7 @@
       </p:sp>
       <p:pic>
         <p:nvPicPr>
-          <p:cNvPr descr="Une image contenant salle de bain, carreau, baignoire, intérieur&#10;&#10;Description générée automatiquement" id="188" name="Google Shape;188;p6"/>
+          <p:cNvPr descr="Une image contenant salle de bain, carreau, baignoire, intérieur&#10;&#10;Description générée automatiquement" id="189" name="Google Shape;189;p6"/>
           <p:cNvPicPr preferRelativeResize="0"/>
           <p:nvPr/>
         </p:nvPicPr>
@@ -14513,7 +14580,7 @@
       </p:pic>
       <p:pic>
         <p:nvPicPr>
-          <p:cNvPr descr="Une image contenant eau, plein air, nuage, baleine&#10;&#10;Description générée automatiquement" id="189" name="Google Shape;189;p6"/>
+          <p:cNvPr descr="Une image contenant eau, plein air, nuage, baleine&#10;&#10;Description générée automatiquement" id="190" name="Google Shape;190;p6"/>
           <p:cNvPicPr preferRelativeResize="0"/>
           <p:nvPr/>
         </p:nvPicPr>
@@ -14540,7 +14607,7 @@
       </p:pic>
       <p:pic>
         <p:nvPicPr>
-          <p:cNvPr id="190" name="Google Shape;190;p6"/>
+          <p:cNvPr id="191" name="Google Shape;191;p6"/>
           <p:cNvPicPr preferRelativeResize="0"/>
           <p:nvPr/>
         </p:nvPicPr>
@@ -14590,7 +14657,7 @@
     </p:bg>
     <p:spTree>
       <p:nvGrpSpPr>
-        <p:cNvPr id="194" name="Shape 194"/>
+        <p:cNvPr id="195" name="Shape 195"/>
         <p:cNvGrpSpPr/>
         <p:nvPr/>
       </p:nvGrpSpPr>
@@ -14604,7 +14671,7 @@
       </p:grpSpPr>
       <p:sp>
         <p:nvSpPr>
-          <p:cNvPr id="195" name="Google Shape;195;p7"/>
+          <p:cNvPr id="196" name="Google Shape;196;p7"/>
           <p:cNvSpPr txBox="1"/>
           <p:nvPr>
             <p:ph type="title"/>
@@ -14656,7 +14723,7 @@
       </p:sp>
       <p:sp>
         <p:nvSpPr>
-          <p:cNvPr id="196" name="Google Shape;196;p7"/>
+          <p:cNvPr id="197" name="Google Shape;197;p7"/>
           <p:cNvSpPr txBox="1"/>
           <p:nvPr>
             <p:ph idx="1" type="body"/>
@@ -14981,7 +15048,7 @@
       </p:sp>
       <p:sp>
         <p:nvSpPr>
-          <p:cNvPr id="197" name="Google Shape;197;p7"/>
+          <p:cNvPr id="198" name="Google Shape;198;p7"/>
           <p:cNvSpPr txBox="1"/>
           <p:nvPr>
             <p:ph idx="12" type="sldNum"/>
@@ -15025,7 +15092,7 @@
       </p:sp>
       <p:pic>
         <p:nvPicPr>
-          <p:cNvPr descr="Une image contenant plein air, paysage, nuage, nature&#10;&#10;Description générée automatiquement" id="198" name="Google Shape;198;p7"/>
+          <p:cNvPr descr="Une image contenant plein air, paysage, nuage, nature&#10;&#10;Description générée automatiquement" id="199" name="Google Shape;199;p7"/>
           <p:cNvPicPr preferRelativeResize="0"/>
           <p:nvPr/>
         </p:nvPicPr>
@@ -15052,7 +15119,7 @@
       </p:pic>
       <p:pic>
         <p:nvPicPr>
-          <p:cNvPr id="199" name="Google Shape;199;p7"/>
+          <p:cNvPr id="200" name="Google Shape;200;p7"/>
           <p:cNvPicPr preferRelativeResize="0"/>
           <p:nvPr/>
         </p:nvPicPr>
@@ -15102,7 +15169,7 @@
     </p:bg>
     <p:spTree>
       <p:nvGrpSpPr>
-        <p:cNvPr id="203" name="Shape 203"/>
+        <p:cNvPr id="204" name="Shape 204"/>
         <p:cNvGrpSpPr/>
         <p:nvPr/>
       </p:nvGrpSpPr>
@@ -15116,7 +15183,7 @@
       </p:grpSpPr>
       <p:sp>
         <p:nvSpPr>
-          <p:cNvPr id="204" name="Google Shape;204;p8"/>
+          <p:cNvPr id="205" name="Google Shape;205;p8"/>
           <p:cNvSpPr txBox="1"/>
           <p:nvPr>
             <p:ph type="title"/>
@@ -15168,7 +15235,7 @@
       </p:sp>
       <p:sp>
         <p:nvSpPr>
-          <p:cNvPr id="205" name="Google Shape;205;p8"/>
+          <p:cNvPr id="206" name="Google Shape;206;p8"/>
           <p:cNvSpPr txBox="1"/>
           <p:nvPr>
             <p:ph idx="1" type="body"/>
@@ -15584,7 +15651,7 @@
       </p:sp>
       <p:sp>
         <p:nvSpPr>
-          <p:cNvPr id="206" name="Google Shape;206;p8"/>
+          <p:cNvPr id="207" name="Google Shape;207;p8"/>
           <p:cNvSpPr txBox="1"/>
           <p:nvPr>
             <p:ph idx="12" type="sldNum"/>
@@ -15628,7 +15695,7 @@
       </p:sp>
       <p:pic>
         <p:nvPicPr>
-          <p:cNvPr id="207" name="Google Shape;207;p8"/>
+          <p:cNvPr id="208" name="Google Shape;208;p8"/>
           <p:cNvPicPr preferRelativeResize="0"/>
           <p:nvPr/>
         </p:nvPicPr>
@@ -15655,7 +15722,7 @@
       </p:pic>
       <p:pic>
         <p:nvPicPr>
-          <p:cNvPr descr="Une image contenant art&#10;&#10;Description générée automatiquement avec une confiance faible" id="208" name="Google Shape;208;p8"/>
+          <p:cNvPr descr="Une image contenant art&#10;&#10;Description générée automatiquement avec une confiance faible" id="209" name="Google Shape;209;p8"/>
           <p:cNvPicPr preferRelativeResize="0"/>
           <p:nvPr/>
         </p:nvPicPr>
@@ -16704,8 +16771,8 @@
         </p:nvSpPr>
         <p:spPr>
           <a:xfrm>
-            <a:off x="325877" y="18255"/>
-            <a:ext cx="10515600" cy="1325563"/>
+            <a:off x="1847627" y="5"/>
+            <a:ext cx="10515600" cy="1325700"/>
           </a:xfrm>
           <a:prstGeom prst="rect">
             <a:avLst/>
@@ -16740,7 +16807,7 @@
             </a:pPr>
             <a:r>
               <a:rPr lang="fr-FR"/>
-              <a:t>Frame with Renderdoc (pipeline)</a:t>
+              <a:t>Frame</a:t>
             </a:r>
             <a:endParaRPr/>
           </a:p>
@@ -16756,8 +16823,8 @@
         </p:nvSpPr>
         <p:spPr>
           <a:xfrm>
-            <a:off x="222115" y="1950334"/>
-            <a:ext cx="10515600" cy="4351338"/>
+            <a:off x="222120" y="1950325"/>
+            <a:ext cx="5337300" cy="4351200"/>
           </a:xfrm>
           <a:prstGeom prst="rect">
             <a:avLst/>
@@ -16773,244 +16840,149 @@
           </a:bodyPr>
           <a:lstStyle/>
           <a:p>
-            <a:pPr indent="-228600" lvl="0" marL="228600" rtl="0" algn="l">
-              <a:lnSpc>
-                <a:spcPct val="90000"/>
-              </a:lnSpc>
-              <a:spcBef>
-                <a:spcPts val="0"/>
-              </a:spcBef>
-              <a:spcAft>
-                <a:spcPts val="0"/>
-              </a:spcAft>
-              <a:buClr>
-                <a:schemeClr val="dk1"/>
-              </a:buClr>
-              <a:buSzPts val="2800"/>
-              <a:buChar char="•"/>
+            <a:pPr indent="0" lvl="0" marL="457200" rtl="0" algn="l">
+              <a:spcBef>
+                <a:spcPts val="500"/>
+              </a:spcBef>
+              <a:spcAft>
+                <a:spcPts val="0"/>
+              </a:spcAft>
+              <a:buClr>
+                <a:schemeClr val="dk1"/>
+              </a:buClr>
+              <a:buSzPts val="1100"/>
+              <a:buFont typeface="Arial"/>
+              <a:buNone/>
             </a:pPr>
             <a:r>
-              <a:rPr lang="fr-FR"/>
-              <a:t>Event 6: physics of snakes</a:t>
+              <a:rPr lang="fr-FR" sz="2400"/>
+              <a:t> -On teste si on lance une corde</a:t>
             </a:r>
-            <a:endParaRPr/>
+            <a:endParaRPr sz="2400"/>
           </a:p>
           <a:p>
-            <a:pPr indent="-228600" lvl="1" marL="685800" rtl="0" algn="l">
-              <a:lnSpc>
-                <a:spcPct val="90000"/>
-              </a:lnSpc>
-              <a:spcBef>
-                <a:spcPts val="500"/>
-              </a:spcBef>
-              <a:spcAft>
-                <a:spcPts val="0"/>
-              </a:spcAft>
-              <a:buClr>
-                <a:schemeClr val="dk1"/>
-              </a:buClr>
-              <a:buSzPts val="2400"/>
-              <a:buChar char="•"/>
+            <a:pPr indent="0" lvl="0" marL="457200" rtl="0" algn="l">
+              <a:spcBef>
+                <a:spcPts val="500"/>
+              </a:spcBef>
+              <a:spcAft>
+                <a:spcPts val="0"/>
+              </a:spcAft>
+              <a:buClr>
+                <a:schemeClr val="dk1"/>
+              </a:buClr>
+              <a:buSzPts val="1100"/>
+              <a:buFont typeface="Arial"/>
+              <a:buNone/>
             </a:pPr>
             <a:r>
-              <a:rPr lang="fr-FR"/>
-              <a:t>Moving frames</a:t>
+              <a:rPr lang="fr-FR" sz="2400"/>
+              <a:t> -On charge la physique des cordes</a:t>
             </a:r>
-            <a:endParaRPr/>
+            <a:br>
+              <a:rPr lang="fr-FR" sz="2400"/>
+            </a:br>
+            <a:br>
+              <a:rPr lang="fr-FR" sz="2400"/>
+            </a:br>
+            <a:r>
+              <a:rPr lang="fr-FR" sz="2400"/>
+              <a:t> - On vérifie les touches du joueur et on le fait se déplacer</a:t>
+            </a:r>
+            <a:endParaRPr sz="2400"/>
           </a:p>
           <a:p>
-            <a:pPr indent="-228600" lvl="0" marL="228600" rtl="0" algn="l">
-              <a:lnSpc>
-                <a:spcPct val="90000"/>
-              </a:lnSpc>
-              <a:spcBef>
-                <a:spcPts val="1000"/>
-              </a:spcBef>
-              <a:spcAft>
-                <a:spcPts val="0"/>
-              </a:spcAft>
-              <a:buClr>
-                <a:schemeClr val="dk1"/>
-              </a:buClr>
-              <a:buSzPts val="2800"/>
-              <a:buChar char="•"/>
-            </a:pPr>
-            <a:r>
-              <a:rPr lang="fr-FR"/>
-              <a:t>Event 10: collision detection</a:t>
-            </a:r>
-            <a:endParaRPr/>
-          </a:p>
-          <a:p>
-            <a:pPr indent="-228600" lvl="1" marL="685800" rtl="0" algn="l">
-              <a:lnSpc>
-                <a:spcPct val="90000"/>
-              </a:lnSpc>
-              <a:spcBef>
-                <a:spcPts val="500"/>
-              </a:spcBef>
-              <a:spcAft>
-                <a:spcPts val="0"/>
-              </a:spcAft>
-              <a:buClr>
-                <a:schemeClr val="dk1"/>
-              </a:buClr>
-              <a:buSzPts val="2400"/>
-              <a:buChar char="•"/>
-            </a:pPr>
-            <a:r>
-              <a:rPr lang="fr-FR"/>
-              <a:t>Sphere-sphere detection</a:t>
-            </a:r>
-            <a:endParaRPr/>
-          </a:p>
-          <a:p>
-            <a:pPr indent="-228600" lvl="0" marL="228600" rtl="0" algn="l">
-              <a:lnSpc>
-                <a:spcPct val="90000"/>
-              </a:lnSpc>
-              <a:spcBef>
-                <a:spcPts val="1000"/>
-              </a:spcBef>
-              <a:spcAft>
-                <a:spcPts val="0"/>
-              </a:spcAft>
-              <a:buClr>
-                <a:schemeClr val="dk1"/>
-              </a:buClr>
-              <a:buSzPts val="2800"/>
-              <a:buChar char="•"/>
-            </a:pPr>
-            <a:r>
-              <a:rPr lang="fr-FR"/>
-              <a:t>Event 20: Rendering of snakes</a:t>
-            </a:r>
-            <a:endParaRPr/>
-          </a:p>
-          <a:p>
-            <a:pPr indent="-228600" lvl="1" marL="685800" rtl="0" algn="l">
-              <a:lnSpc>
-                <a:spcPct val="90000"/>
-              </a:lnSpc>
-              <a:spcBef>
-                <a:spcPts val="500"/>
-              </a:spcBef>
-              <a:spcAft>
-                <a:spcPts val="0"/>
-              </a:spcAft>
-              <a:buClr>
-                <a:schemeClr val="dk1"/>
-              </a:buClr>
-              <a:buSzPts val="2400"/>
-              <a:buChar char="•"/>
-            </a:pPr>
-            <a:r>
-              <a:rPr lang="fr-FR"/>
-              <a:t>Multidraw (Tessellation shader)</a:t>
-            </a:r>
-            <a:endParaRPr/>
-          </a:p>
-          <a:p>
-            <a:pPr indent="-228600" lvl="1" marL="685800" rtl="0" algn="l">
-              <a:lnSpc>
-                <a:spcPct val="90000"/>
-              </a:lnSpc>
-              <a:spcBef>
-                <a:spcPts val="500"/>
-              </a:spcBef>
-              <a:spcAft>
-                <a:spcPts val="0"/>
-              </a:spcAft>
-              <a:buClr>
-                <a:schemeClr val="dk1"/>
-              </a:buClr>
-              <a:buSzPts val="2400"/>
-              <a:buChar char="•"/>
-            </a:pPr>
-            <a:r>
-              <a:rPr lang="fr-FR"/>
-              <a:t>Multi viewport (Geometry shader)</a:t>
-            </a:r>
-            <a:endParaRPr/>
-          </a:p>
-          <a:p>
-            <a:pPr indent="-228600" lvl="0" marL="228600" rtl="0" algn="l">
-              <a:lnSpc>
-                <a:spcPct val="90000"/>
-              </a:lnSpc>
-              <a:spcBef>
-                <a:spcPts val="1000"/>
-              </a:spcBef>
-              <a:spcAft>
-                <a:spcPts val="0"/>
-              </a:spcAft>
-              <a:buClr>
-                <a:schemeClr val="dk1"/>
-              </a:buClr>
-              <a:buSzPts val="2800"/>
-              <a:buChar char="•"/>
-            </a:pPr>
-            <a:r>
-              <a:rPr lang="fr-FR"/>
-              <a:t>Event 26: Rendering of background</a:t>
-            </a:r>
-            <a:endParaRPr/>
-          </a:p>
-          <a:p>
-            <a:pPr indent="0" lvl="1" marL="457200" rtl="0" algn="l">
-              <a:lnSpc>
-                <a:spcPct val="90000"/>
-              </a:lnSpc>
-              <a:spcBef>
-                <a:spcPts val="500"/>
-              </a:spcBef>
-              <a:spcAft>
-                <a:spcPts val="0"/>
-              </a:spcAft>
-              <a:buClr>
-                <a:schemeClr val="dk1"/>
-              </a:buClr>
-              <a:buSzPts val="2400"/>
+            <a:pPr indent="0" lvl="0" marL="457200" rtl="0" algn="l">
+              <a:spcBef>
+                <a:spcPts val="500"/>
+              </a:spcBef>
+              <a:spcAft>
+                <a:spcPts val="0"/>
+              </a:spcAft>
+              <a:buClr>
+                <a:schemeClr val="dk1"/>
+              </a:buClr>
+              <a:buSzPts val="1100"/>
               <a:buNone/>
             </a:pPr>
             <a:r>
               <a:t/>
             </a:r>
-            <a:endParaRPr/>
+            <a:endParaRPr sz="2400"/>
+          </a:p>
+          <a:p>
+            <a:pPr indent="0" lvl="0" marL="457200" rtl="0" algn="l">
+              <a:spcBef>
+                <a:spcPts val="500"/>
+              </a:spcBef>
+              <a:spcAft>
+                <a:spcPts val="0"/>
+              </a:spcAft>
+              <a:buClr>
+                <a:schemeClr val="dk1"/>
+              </a:buClr>
+              <a:buSzPts val="1100"/>
+              <a:buFont typeface="Arial"/>
+              <a:buNone/>
+            </a:pPr>
+            <a:r>
+              <a:rPr lang="fr-FR" sz="2400"/>
+              <a:t>- On charge l’UBO</a:t>
+            </a:r>
+            <a:endParaRPr sz="2400"/>
+          </a:p>
+          <a:p>
+            <a:pPr indent="0" lvl="0" marL="457200" rtl="0" algn="l">
+              <a:spcBef>
+                <a:spcPts val="500"/>
+              </a:spcBef>
+              <a:spcAft>
+                <a:spcPts val="0"/>
+              </a:spcAft>
+              <a:buClr>
+                <a:schemeClr val="dk1"/>
+              </a:buClr>
+              <a:buSzPts val="1100"/>
+              <a:buNone/>
+            </a:pPr>
+            <a:r>
+              <a:t/>
+            </a:r>
+            <a:endParaRPr sz="2400"/>
+          </a:p>
+          <a:p>
+            <a:pPr indent="0" lvl="0" marL="457200" rtl="0" algn="l">
+              <a:spcBef>
+                <a:spcPts val="500"/>
+              </a:spcBef>
+              <a:spcAft>
+                <a:spcPts val="0"/>
+              </a:spcAft>
+              <a:buClr>
+                <a:schemeClr val="dk1"/>
+              </a:buClr>
+              <a:buSzPts val="1100"/>
+              <a:buNone/>
+            </a:pPr>
+            <a:r>
+              <a:rPr lang="fr-FR" sz="2400"/>
+              <a:t>- On dessine les </a:t>
+            </a:r>
+            <a:r>
+              <a:rPr lang="fr-FR" sz="2400"/>
+              <a:t>plateformes</a:t>
+            </a:r>
+            <a:r>
+              <a:rPr lang="fr-FR" sz="2400"/>
+              <a:t>, la lave, les cordes et l’environnement.</a:t>
+            </a:r>
+            <a:endParaRPr sz="2800"/>
           </a:p>
         </p:txBody>
       </p:sp>
-      <p:pic>
-        <p:nvPicPr>
-          <p:cNvPr id="111" name="Google Shape;111;p10"/>
-          <p:cNvPicPr preferRelativeResize="0"/>
-          <p:nvPr/>
-        </p:nvPicPr>
-        <p:blipFill>
-          <a:blip r:embed="rId4">
-            <a:alphaModFix/>
-          </a:blip>
-          <a:stretch>
-            <a:fillRect/>
-          </a:stretch>
-        </p:blipFill>
-        <p:spPr>
-          <a:xfrm>
-            <a:off x="5662300" y="1453925"/>
-            <a:ext cx="6339201" cy="4678149"/>
-          </a:xfrm>
-          <a:prstGeom prst="rect">
-            <a:avLst/>
-          </a:prstGeom>
-          <a:noFill/>
-          <a:ln>
-            <a:noFill/>
-          </a:ln>
-        </p:spPr>
-      </p:pic>
       <p:sp>
         <p:nvSpPr>
-          <p:cNvPr id="112" name="Google Shape;112;p10"/>
+          <p:cNvPr id="111" name="Google Shape;111;p10"/>
           <p:cNvSpPr txBox="1"/>
           <p:nvPr/>
         </p:nvSpPr>
@@ -17060,6 +17032,34 @@
           </a:p>
         </p:txBody>
       </p:sp>
+      <p:pic>
+        <p:nvPicPr>
+          <p:cNvPr id="112" name="Google Shape;112;p10"/>
+          <p:cNvPicPr preferRelativeResize="0"/>
+          <p:nvPr/>
+        </p:nvPicPr>
+        <p:blipFill>
+          <a:blip r:embed="rId4">
+            <a:alphaModFix/>
+          </a:blip>
+          <a:stretch>
+            <a:fillRect/>
+          </a:stretch>
+        </p:blipFill>
+        <p:spPr>
+          <a:xfrm>
+            <a:off x="5426425" y="1482500"/>
+            <a:ext cx="6744973" cy="4688675"/>
+          </a:xfrm>
+          <a:prstGeom prst="rect">
+            <a:avLst/>
+          </a:prstGeom>
+          <a:noFill/>
+          <a:ln>
+            <a:noFill/>
+          </a:ln>
+        </p:spPr>
+      </p:pic>
     </p:spTree>
   </p:cSld>
   <p:clrMapOvr>
@@ -17864,7 +17864,7 @@
         <p:spPr>
           <a:xfrm>
             <a:off x="293451" y="1637558"/>
-            <a:ext cx="11470532" cy="5113438"/>
+            <a:ext cx="11470500" cy="5113500"/>
           </a:xfrm>
           <a:prstGeom prst="rect">
             <a:avLst/>
@@ -17898,7 +17898,15 @@
             </a:pPr>
             <a:r>
               <a:rPr lang="fr-FR"/>
-              <a:t>Carte graphique qui ne font pas le rendu des images 3D</a:t>
+              <a:t>Carte graphique</a:t>
+            </a:r>
+            <a:r>
+              <a:rPr lang="fr-FR"/>
+              <a:t> qui ne font pas </a:t>
+            </a:r>
+            <a:r>
+              <a:rPr lang="fr-FR"/>
+              <a:t>le rendu des images 3D</a:t>
             </a:r>
             <a:endParaRPr/>
           </a:p>
@@ -17965,48 +17973,21 @@
             </a:pPr>
             <a:r>
               <a:rPr lang="fr-FR"/>
-              <a:t>Improvement Idea: AI base on the Z-buffer analysis</a:t>
+              <a:t>Le temps: On a pas eu le temps de faire/ajouter des features</a:t>
             </a:r>
             <a:endParaRPr/>
           </a:p>
           <a:p>
-            <a:pPr indent="-228600" lvl="1" marL="685800" rtl="0" algn="l">
-              <a:lnSpc>
-                <a:spcPct val="90000"/>
-              </a:lnSpc>
-              <a:spcBef>
-                <a:spcPts val="500"/>
-              </a:spcBef>
-              <a:spcAft>
-                <a:spcPts val="0"/>
-              </a:spcAft>
-              <a:buClr>
-                <a:schemeClr val="dk1"/>
-              </a:buClr>
-              <a:buSzPts val="2400"/>
-              <a:buChar char="•"/>
-            </a:pPr>
-            <a:r>
-              <a:rPr lang="fr-FR"/>
-              <a:t>Already did the extra-pass to get depths for each player in a « micro-buffer »</a:t>
-            </a:r>
-            <a:endParaRPr/>
-          </a:p>
-          <a:p>
-            <a:pPr indent="-76200" lvl="1" marL="685800" rtl="0" algn="l">
-              <a:lnSpc>
-                <a:spcPct val="90000"/>
-              </a:lnSpc>
-              <a:spcBef>
-                <a:spcPts val="500"/>
-              </a:spcBef>
-              <a:spcAft>
-                <a:spcPts val="0"/>
-              </a:spcAft>
-              <a:buClr>
-                <a:schemeClr val="dk1"/>
-              </a:buClr>
-              <a:buSzPts val="2400"/>
+            <a:pPr indent="0" lvl="0" marL="0" rtl="0" algn="l">
+              <a:lnSpc>
+                <a:spcPct val="90000"/>
+              </a:lnSpc>
+              <a:spcBef>
+                <a:spcPts val="1000"/>
+              </a:spcBef>
+              <a:spcAft>
+                <a:spcPts val="0"/>
+              </a:spcAft>
               <a:buNone/>
             </a:pPr>
             <a:r>
@@ -18015,20 +17996,16 @@
             <a:endParaRPr/>
           </a:p>
           <a:p>
-            <a:pPr indent="-76200" lvl="1" marL="685800" rtl="0" algn="l">
-              <a:lnSpc>
-                <a:spcPct val="90000"/>
-              </a:lnSpc>
-              <a:spcBef>
-                <a:spcPts val="500"/>
-              </a:spcBef>
-              <a:spcAft>
-                <a:spcPts val="0"/>
-              </a:spcAft>
-              <a:buClr>
-                <a:schemeClr val="dk1"/>
-              </a:buClr>
-              <a:buSzPts val="2400"/>
+            <a:pPr indent="0" lvl="0" marL="0" rtl="0" algn="l">
+              <a:lnSpc>
+                <a:spcPct val="90000"/>
+              </a:lnSpc>
+              <a:spcBef>
+                <a:spcPts val="1000"/>
+              </a:spcBef>
+              <a:spcAft>
+                <a:spcPts val="0"/>
+              </a:spcAft>
               <a:buNone/>
             </a:pPr>
             <a:r>
@@ -18037,20 +18014,30 @@
             <a:endParaRPr/>
           </a:p>
           <a:p>
-            <a:pPr indent="-76200" lvl="1" marL="685800" rtl="0" algn="l">
-              <a:lnSpc>
-                <a:spcPct val="90000"/>
-              </a:lnSpc>
-              <a:spcBef>
-                <a:spcPts val="500"/>
-              </a:spcBef>
-              <a:spcAft>
-                <a:spcPts val="0"/>
-              </a:spcAft>
-              <a:buClr>
-                <a:schemeClr val="dk1"/>
-              </a:buClr>
-              <a:buSzPts val="2400"/>
+            <a:pPr indent="-228600" lvl="0" marL="228600" rtl="0" algn="l">
+              <a:spcBef>
+                <a:spcPts val="1000"/>
+              </a:spcBef>
+              <a:spcAft>
+                <a:spcPts val="0"/>
+              </a:spcAft>
+              <a:buSzPts val="2800"/>
+              <a:buChar char="•"/>
+            </a:pPr>
+            <a:r>
+              <a:rPr lang="fr-FR"/>
+              <a:t>Git qui fait des erreurs incompréhensibles</a:t>
+            </a:r>
+            <a:endParaRPr/>
+          </a:p>
+          <a:p>
+            <a:pPr indent="0" lvl="0" marL="228600" rtl="0" algn="l">
+              <a:spcBef>
+                <a:spcPts val="1000"/>
+              </a:spcBef>
+              <a:spcAft>
+                <a:spcPts val="0"/>
+              </a:spcAft>
               <a:buNone/>
             </a:pPr>
             <a:r>
@@ -18059,47 +18046,19 @@
             <a:endParaRPr/>
           </a:p>
           <a:p>
-            <a:pPr indent="-76200" lvl="1" marL="685800" rtl="0" algn="l">
-              <a:lnSpc>
-                <a:spcPct val="90000"/>
-              </a:lnSpc>
-              <a:spcBef>
-                <a:spcPts val="500"/>
-              </a:spcBef>
-              <a:spcAft>
-                <a:spcPts val="0"/>
-              </a:spcAft>
-              <a:buClr>
-                <a:schemeClr val="dk1"/>
-              </a:buClr>
-              <a:buSzPts val="2400"/>
-              <a:buNone/>
-            </a:pPr>
-            <a:r>
-              <a:t/>
-            </a:r>
-            <a:endParaRPr/>
-          </a:p>
-          <a:p>
-            <a:pPr indent="-228600" lvl="1" marL="685800" rtl="0" algn="l">
-              <a:lnSpc>
-                <a:spcPct val="90000"/>
-              </a:lnSpc>
-              <a:spcBef>
-                <a:spcPts val="500"/>
-              </a:spcBef>
-              <a:spcAft>
-                <a:spcPts val="0"/>
-              </a:spcAft>
-              <a:buClr>
-                <a:schemeClr val="dk1"/>
-              </a:buClr>
-              <a:buSzPts val="2400"/>
+            <a:pPr indent="-228600" lvl="0" marL="228600" rtl="0" algn="l">
+              <a:spcBef>
+                <a:spcPts val="1000"/>
+              </a:spcBef>
+              <a:spcAft>
+                <a:spcPts val="0"/>
+              </a:spcAft>
+              <a:buSzPts val="2800"/>
               <a:buChar char="•"/>
             </a:pPr>
             <a:r>
               <a:rPr lang="fr-FR"/>
-              <a:t>Need a compute shader to loop over texels and « weight »/vote a direction </a:t>
+              <a:t>Compréhension du code de base </a:t>
             </a:r>
             <a:endParaRPr/>
           </a:p>
@@ -18157,6 +18116,34 @@
           </a:p>
         </p:txBody>
       </p:sp>
+      <p:pic>
+        <p:nvPicPr>
+          <p:cNvPr id="149" name="Google Shape;149;p15"/>
+          <p:cNvPicPr preferRelativeResize="0"/>
+          <p:nvPr/>
+        </p:nvPicPr>
+        <p:blipFill>
+          <a:blip r:embed="rId4">
+            <a:alphaModFix/>
+          </a:blip>
+          <a:stretch>
+            <a:fillRect/>
+          </a:stretch>
+        </p:blipFill>
+        <p:spPr>
+          <a:xfrm>
+            <a:off x="6737900" y="3671825"/>
+            <a:ext cx="5403826" cy="1817175"/>
+          </a:xfrm>
+          <a:prstGeom prst="rect">
+            <a:avLst/>
+          </a:prstGeom>
+          <a:noFill/>
+          <a:ln>
+            <a:noFill/>
+          </a:ln>
+        </p:spPr>
+      </p:pic>
     </p:spTree>
   </p:cSld>
   <p:clrMapOvr>

--- a/Diapo/RopeMan_Presentation.pptx
+++ b/Diapo/RopeMan_Presentation.pptx
@@ -16647,29 +16647,6 @@
             </a:r>
             <a:endParaRPr/>
           </a:p>
-          <a:p>
-            <a:pPr indent="-228600" lvl="0" marL="228600" rtl="0" algn="l">
-              <a:lnSpc>
-                <a:spcPct val="90000"/>
-              </a:lnSpc>
-              <a:spcBef>
-                <a:spcPts val="1000"/>
-              </a:spcBef>
-              <a:spcAft>
-                <a:spcPts val="0"/>
-              </a:spcAft>
-              <a:buClr>
-                <a:schemeClr val="dk1"/>
-              </a:buClr>
-              <a:buSzPts val="2800"/>
-              <a:buChar char="•"/>
-            </a:pPr>
-            <a:r>
-              <a:rPr lang="fr-FR"/>
-              <a:t>Proximity radar shading</a:t>
-            </a:r>
-            <a:endParaRPr/>
-          </a:p>
         </p:txBody>
       </p:sp>
       <p:sp>
